--- a/tweet_data/media/HIP/HIP-Proposal-template.pptx
+++ b/tweet_data/media/HIP/HIP-Proposal-template.pptx
@@ -214,7 +214,7 @@
           <a:p>
             <a:fld id="{762B48F5-BACC-47D6-A0F7-82FBF9C6BC85}" type="datetimeFigureOut">
               <a:rPr lang="en-US"/>
-              <a:t>7/21/2021</a:t>
+              <a:t>10/28/2021</a:t>
             </a:fld>
             <a:endParaRPr/>
           </a:p>
@@ -379,7 +379,7 @@
           <a:p>
             <a:fld id="{0CB1CD00-5424-4675-AB18-2C419B060449}" type="datetimeFigureOut">
               <a:rPr lang="en-US"/>
-              <a:t>7/21/2021</a:t>
+              <a:t>10/28/2021</a:t>
             </a:fld>
             <a:endParaRPr/>
           </a:p>
@@ -1016,7 +1016,7 @@
           <a:p>
             <a:fld id="{37CC0096-1860-4642-9CD2-0079EA5E7CD1}" type="datetimeFigureOut">
               <a:rPr lang="en-US" smtClean="0"/>
-              <a:t>7/21/2021</a:t>
+              <a:t>10/28/2021</a:t>
             </a:fld>
             <a:endParaRPr lang="en-US"/>
           </a:p>
@@ -1196,7 +1196,7 @@
           <a:p>
             <a:fld id="{37CC0096-1860-4642-9CD2-0079EA5E7CD1}" type="datetimeFigureOut">
               <a:rPr lang="en-US" smtClean="0"/>
-              <a:t>7/21/2021</a:t>
+              <a:t>10/28/2021</a:t>
             </a:fld>
             <a:endParaRPr lang="en-US"/>
           </a:p>
@@ -1370,7 +1370,7 @@
           <a:p>
             <a:fld id="{37CC0096-1860-4642-9CD2-0079EA5E7CD1}" type="datetimeFigureOut">
               <a:rPr lang="en-US" smtClean="0"/>
-              <a:t>7/21/2021</a:t>
+              <a:t>10/28/2021</a:t>
             </a:fld>
             <a:endParaRPr lang="en-US"/>
           </a:p>
@@ -1805,7 +1805,7 @@
           <a:p>
             <a:fld id="{37CC0096-1860-4642-9CD2-0079EA5E7CD1}" type="datetimeFigureOut">
               <a:rPr lang="en-US" smtClean="0"/>
-              <a:t>7/21/2021</a:t>
+              <a:t>10/28/2021</a:t>
             </a:fld>
             <a:endParaRPr lang="en-US"/>
           </a:p>
@@ -2245,7 +2245,7 @@
           <a:p>
             <a:fld id="{37CC0096-1860-4642-9CD2-0079EA5E7CD1}" type="datetimeFigureOut">
               <a:rPr lang="en-US" smtClean="0"/>
-              <a:t>7/21/2021</a:t>
+              <a:t>10/28/2021</a:t>
             </a:fld>
             <a:endParaRPr lang="en-US"/>
           </a:p>
@@ -2363,7 +2363,7 @@
           <a:p>
             <a:fld id="{37CC0096-1860-4642-9CD2-0079EA5E7CD1}" type="datetimeFigureOut">
               <a:rPr lang="en-US" smtClean="0"/>
-              <a:t>7/21/2021</a:t>
+              <a:t>10/28/2021</a:t>
             </a:fld>
             <a:endParaRPr lang="en-US"/>
           </a:p>
@@ -2458,7 +2458,7 @@
           <a:p>
             <a:fld id="{37CC0096-1860-4642-9CD2-0079EA5E7CD1}" type="datetimeFigureOut">
               <a:rPr lang="en-US" smtClean="0"/>
-              <a:t>7/21/2021</a:t>
+              <a:t>10/28/2021</a:t>
             </a:fld>
             <a:endParaRPr lang="en-US"/>
           </a:p>
@@ -2742,7 +2742,7 @@
           <a:p>
             <a:fld id="{37CC0096-1860-4642-9CD2-0079EA5E7CD1}" type="datetimeFigureOut">
               <a:rPr lang="en-US" smtClean="0"/>
-              <a:t>7/21/2021</a:t>
+              <a:t>10/28/2021</a:t>
             </a:fld>
             <a:endParaRPr lang="en-US"/>
           </a:p>
@@ -3055,7 +3055,7 @@
           <a:p>
             <a:fld id="{37CC0096-1860-4642-9CD2-0079EA5E7CD1}" type="datetimeFigureOut">
               <a:rPr lang="en-US" smtClean="0"/>
-              <a:t>7/21/2021</a:t>
+              <a:t>10/28/2021</a:t>
             </a:fld>
             <a:endParaRPr lang="en-US"/>
           </a:p>
@@ -3317,7 +3317,7 @@
             <a:fld id="{37CC0096-1860-4642-9CD2-0079EA5E7CD1}" type="datetimeFigureOut">
               <a:rPr lang="en-US" smtClean="0"/>
               <a:pPr/>
-              <a:t>7/21/2021</a:t>
+              <a:t>10/28/2021</a:t>
             </a:fld>
             <a:endParaRPr lang="en-US"/>
           </a:p>
@@ -3743,13 +3743,13 @@
                 <a14:imgProps xmlns:a14="http://schemas.microsoft.com/office/drawing/2010/main">
                   <a14:imgLayer r:embed="rId3">
                     <a14:imgEffect>
-                      <a14:artisticPaintStrokes/>
+                      <a14:artisticCement crackSpacing="59"/>
                     </a14:imgEffect>
                     <a14:imgEffect>
                       <a14:colorTemperature colorTemp="11500"/>
                     </a14:imgEffect>
                     <a14:imgEffect>
-                      <a14:saturation sat="190000"/>
+                      <a14:saturation sat="0"/>
                     </a14:imgEffect>
                   </a14:imgLayer>
                 </a14:imgProps>
@@ -3796,6 +3796,10 @@
             <a:off x="1066800" y="1981200"/>
             <a:ext cx="10058400" cy="990600"/>
           </a:xfrm>
+          <a:noFill/>
+          <a:ln>
+            <a:noFill/>
+          </a:ln>
           <a:effectLst>
             <a:glow rad="127000">
               <a:schemeClr val="tx2">
@@ -3806,26 +3810,74 @@
         </p:spPr>
         <p:txBody>
           <a:bodyPr>
-            <a:normAutofit/>
+            <a:noAutofit/>
           </a:bodyPr>
           <a:lstStyle/>
           <a:p>
             <a:r>
-              <a:rPr lang="en-US" sz="3600" b="1" dirty="0" smtClean="0">
+              <a:rPr lang="en-US" sz="5500" b="1" dirty="0">
                 <a:solidFill>
                   <a:schemeClr val="tx1">
                     <a:lumMod val="95000"/>
                   </a:schemeClr>
                 </a:solidFill>
+                <a:effectLst>
+                  <a:outerShdw blurRad="50800" dist="50800" dir="5400000" sx="102000" sy="102000" algn="ctr" rotWithShape="0">
+                    <a:srgbClr val="000000">
+                      <a:alpha val="43137"/>
+                    </a:srgbClr>
+                  </a:outerShdw>
+                </a:effectLst>
               </a:rPr>
-              <a:t>HIP-X: Title</a:t>
-            </a:r>
-            <a:endParaRPr sz="3600" b="1" dirty="0">
+              <a:t>HIP 16: </a:t>
+            </a:r>
+            <a:r>
+              <a:rPr lang="en-US" sz="5500" b="1" dirty="0" smtClean="0">
+                <a:solidFill>
+                  <a:schemeClr val="tx1">
+                    <a:lumMod val="95000"/>
+                  </a:schemeClr>
+                </a:solidFill>
+                <a:effectLst>
+                  <a:outerShdw blurRad="50800" dist="50800" dir="5400000" sx="102000" sy="102000" algn="ctr" rotWithShape="0">
+                    <a:srgbClr val="000000">
+                      <a:alpha val="43137"/>
+                    </a:srgbClr>
+                  </a:outerShdw>
+                </a:effectLst>
+              </a:rPr>
+              <a:t>Reducing BLS </a:t>
+            </a:r>
+            <a:r>
+              <a:rPr lang="en-US" sz="5500" b="1" dirty="0">
+                <a:solidFill>
+                  <a:schemeClr val="tx1">
+                    <a:lumMod val="95000"/>
+                  </a:schemeClr>
+                </a:solidFill>
+                <a:effectLst>
+                  <a:outerShdw blurRad="50800" dist="50800" dir="5400000" sx="102000" sy="102000" algn="ctr" rotWithShape="0">
+                    <a:srgbClr val="000000">
+                      <a:alpha val="43137"/>
+                    </a:srgbClr>
+                  </a:outerShdw>
+                </a:effectLst>
+              </a:rPr>
+              <a:t>keys</a:t>
+            </a:r>
+            <a:endParaRPr sz="5500" b="1" dirty="0">
               <a:solidFill>
                 <a:schemeClr val="tx1">
                   <a:lumMod val="95000"/>
                 </a:schemeClr>
               </a:solidFill>
+              <a:effectLst>
+                <a:outerShdw blurRad="50800" dist="50800" dir="5400000" sx="102000" sy="102000" algn="ctr" rotWithShape="0">
+                  <a:srgbClr val="000000">
+                    <a:alpha val="43137"/>
+                  </a:srgbClr>
+                </a:outerShdw>
+              </a:effectLst>
             </a:endParaRPr>
           </a:p>
         </p:txBody>
@@ -3856,26 +3908,61 @@
         </p:spPr>
         <p:txBody>
           <a:bodyPr wrap="square" anchor="ctr" anchorCtr="0">
-            <a:normAutofit/>
+            <a:normAutofit fontScale="70000" lnSpcReduction="20000"/>
           </a:bodyPr>
           <a:lstStyle/>
           <a:p>
             <a:pPr algn="just"/>
-            <a:r>
-              <a:rPr lang="en-US" b="1" dirty="0">
-                <a:solidFill>
-                  <a:schemeClr val="tx1"/>
-                </a:solidFill>
-              </a:rPr>
-              <a:t>Summary</a:t>
-            </a:r>
             <a:r>
               <a:rPr lang="en-US" dirty="0">
                 <a:solidFill>
                   <a:schemeClr val="tx1"/>
                 </a:solidFill>
               </a:rPr>
-              <a:t> : </a:t>
+              <a:t>Summary : due to the fact that many validators still extend keys far below median, we are proposing a method to further limit the amount of BLS keys a validator can have</a:t>
+            </a:r>
+            <a:r>
+              <a:rPr lang="en-US" dirty="0" smtClean="0">
+                <a:solidFill>
+                  <a:schemeClr val="tx1"/>
+                </a:solidFill>
+              </a:rPr>
+              <a:t>.</a:t>
+            </a:r>
+          </a:p>
+          <a:p>
+            <a:pPr algn="just"/>
+            <a:endParaRPr lang="en-US" dirty="0" smtClean="0">
+              <a:solidFill>
+                <a:schemeClr val="tx1"/>
+              </a:solidFill>
+            </a:endParaRPr>
+          </a:p>
+          <a:p>
+            <a:pPr algn="just"/>
+            <a:r>
+              <a:rPr lang="en-US" dirty="0" smtClean="0">
+                <a:solidFill>
+                  <a:schemeClr val="tx1"/>
+                </a:solidFill>
+              </a:rPr>
+              <a:t>Background / Motivation </a:t>
+            </a:r>
+            <a:r>
+              <a:rPr lang="en-US" dirty="0">
+                <a:solidFill>
+                  <a:schemeClr val="tx1"/>
+                </a:solidFill>
+              </a:rPr>
+              <a:t>: The reason we want to do this is because the median stake is high and due to it, many validators bid around it or below it, while there is no incentive to do that since getting below the lower bound is near impossible anymore. The impact of that is that validators with 3-5M stake cannot be safely elected to further secure the network</a:t>
+            </a:r>
+            <a:r>
+              <a:rPr lang="en-US" dirty="0" smtClean="0">
+                <a:solidFill>
+                  <a:schemeClr val="tx1"/>
+                </a:solidFill>
+              </a:rPr>
+              <a:t>.</a:t>
             </a:r>
           </a:p>
           <a:p>
@@ -3889,12 +3976,12 @@
           <a:p>
             <a:pPr algn="just"/>
             <a:r>
-              <a:rPr lang="en-US" b="1" dirty="0">
+              <a:rPr lang="en-US" dirty="0" smtClean="0">
                 <a:solidFill>
                   <a:schemeClr val="tx1"/>
                 </a:solidFill>
               </a:rPr>
-              <a:t>Background</a:t>
+              <a:t>Specification </a:t>
             </a:r>
             <a:r>
               <a:rPr lang="en-US" dirty="0">
@@ -3902,90 +3989,73 @@
                   <a:schemeClr val="tx1"/>
                 </a:solidFill>
               </a:rPr>
-              <a:t> </a:t>
-            </a:r>
-            <a:r>
-              <a:rPr lang="en-US" dirty="0" smtClean="0">
-                <a:solidFill>
-                  <a:schemeClr val="tx1"/>
-                </a:solidFill>
-              </a:rPr>
-              <a:t>:</a:t>
-            </a:r>
-          </a:p>
-          <a:p>
-            <a:pPr algn="just"/>
-            <a:endParaRPr lang="en-US" dirty="0">
-              <a:solidFill>
-                <a:schemeClr val="tx1"/>
-              </a:solidFill>
-            </a:endParaRPr>
-          </a:p>
-          <a:p>
-            <a:pPr algn="just"/>
-            <a:r>
-              <a:rPr lang="en-US" b="1" dirty="0">
-                <a:solidFill>
-                  <a:schemeClr val="tx1"/>
-                </a:solidFill>
-              </a:rPr>
-              <a:t>Motivation</a:t>
-            </a:r>
+              <a:t>: This is not a complete proposal as we would like inputs from the core team and other validators on what the best possible solution would be, before we put it up for a vote. </a:t>
+            </a:r>
+          </a:p>
+          <a:p>
+            <a:pPr lvl="1" algn="just"/>
             <a:r>
               <a:rPr lang="en-US" dirty="0">
                 <a:solidFill>
                   <a:schemeClr val="tx1"/>
                 </a:solidFill>
+                <a:latin typeface="+mj-lt"/>
               </a:rPr>
-              <a:t> </a:t>
-            </a:r>
-            <a:r>
-              <a:rPr lang="en-US" dirty="0" smtClean="0">
+              <a:t>1. Generally limit the amount of </a:t>
+            </a:r>
+            <a:r>
+              <a:rPr lang="en-US" dirty="0" err="1">
                 <a:solidFill>
                   <a:schemeClr val="tx1"/>
                 </a:solidFill>
+                <a:latin typeface="+mj-lt"/>
               </a:rPr>
-              <a:t>:</a:t>
-            </a:r>
-          </a:p>
-          <a:p>
-            <a:pPr algn="just"/>
-            <a:endParaRPr lang="en-US" dirty="0">
-              <a:solidFill>
-                <a:schemeClr val="tx1"/>
-              </a:solidFill>
-            </a:endParaRPr>
-          </a:p>
-          <a:p>
-            <a:pPr algn="just"/>
-            <a:r>
-              <a:rPr lang="en-US" b="1" dirty="0">
-                <a:solidFill>
-                  <a:schemeClr val="tx1"/>
-                </a:solidFill>
-              </a:rPr>
-              <a:t>Specification</a:t>
+              <a:t>bls</a:t>
             </a:r>
             <a:r>
               <a:rPr lang="en-US" dirty="0">
                 <a:solidFill>
                   <a:schemeClr val="tx1"/>
                 </a:solidFill>
+                <a:latin typeface="+mj-lt"/>
               </a:rPr>
-              <a:t> </a:t>
-            </a:r>
-            <a:r>
-              <a:rPr lang="en-US" dirty="0" smtClean="0">
+              <a:t> keys (absolute reduction to e.g. 30 - just an example)</a:t>
+            </a:r>
+          </a:p>
+          <a:p>
+            <a:pPr lvl="1" algn="just"/>
+            <a:r>
+              <a:rPr lang="en-US" dirty="0">
                 <a:solidFill>
                   <a:schemeClr val="tx1"/>
                 </a:solidFill>
+                <a:latin typeface="+mj-lt"/>
               </a:rPr>
-              <a:t>:</a:t>
+              <a:t>2. Dynamically limit amount of </a:t>
+            </a:r>
+            <a:r>
+              <a:rPr lang="en-US" dirty="0" err="1">
+                <a:solidFill>
+                  <a:schemeClr val="tx1"/>
+                </a:solidFill>
+                <a:latin typeface="+mj-lt"/>
+              </a:rPr>
+              <a:t>bls</a:t>
+            </a:r>
+            <a:r>
+              <a:rPr lang="en-US" dirty="0">
+                <a:solidFill>
+                  <a:schemeClr val="tx1"/>
+                </a:solidFill>
+                <a:latin typeface="+mj-lt"/>
+              </a:rPr>
+              <a:t> keys based on stake size considering median / based on bid size considering median</a:t>
             </a:r>
             <a:endParaRPr dirty="0">
               <a:solidFill>
                 <a:schemeClr val="tx1"/>
               </a:solidFill>
+              <a:latin typeface="+mj-lt"/>
             </a:endParaRPr>
           </a:p>
         </p:txBody>
@@ -4005,7 +4075,10 @@
                 <a14:imgProps xmlns:a14="http://schemas.microsoft.com/office/drawing/2010/main">
                   <a14:imgLayer r:embed="rId5">
                     <a14:imgEffect>
-                      <a14:artisticLineDrawing trans="0" pencilSize="81"/>
+                      <a14:artisticPlasticWrap smoothness="8"/>
+                    </a14:imgEffect>
+                    <a14:imgEffect>
+                      <a14:brightnessContrast contrast="40000"/>
                     </a14:imgEffect>
                   </a14:imgLayer>
                 </a14:imgProps>
@@ -4049,13 +4122,6 @@
             <a:avLst/>
           </a:prstGeom>
           <a:noFill/>
-          <a:effectLst>
-            <a:glow>
-              <a:schemeClr val="tx1">
-                <a:alpha val="60000"/>
-              </a:schemeClr>
-            </a:glow>
-          </a:effectLst>
         </p:spPr>
         <p:txBody>
           <a:bodyPr wrap="square" lIns="91440" tIns="45720" rIns="91440" bIns="45720" anchor="t" anchorCtr="1">
@@ -4065,7 +4131,7 @@
           <a:p>
             <a:pPr algn="ctr"/>
             <a:r>
-              <a:rPr lang="en-US" sz="13000" b="1" smtClean="0">
+              <a:rPr lang="en-US" sz="13000" b="1" dirty="0" smtClean="0">
                 <a:ln w="12700">
                   <a:noFill/>
                   <a:prstDash val="solid"/>
@@ -4074,17 +4140,20 @@
                   <a:schemeClr val="bg1"/>
                 </a:solidFill>
                 <a:effectLst>
-                  <a:glow rad="152400">
-                    <a:schemeClr val="tx1"/>
+                  <a:glow rad="203200">
+                    <a:schemeClr val="tx1">
+                      <a:alpha val="68000"/>
+                    </a:schemeClr>
                   </a:glow>
                   <a:innerShdw blurRad="63500" dir="4440000">
-                    <a:schemeClr val="tx1">
+                    <a:schemeClr val="tx2">
+                      <a:lumMod val="50000"/>
                       <a:alpha val="50000"/>
                     </a:schemeClr>
                   </a:innerShdw>
                 </a:effectLst>
               </a:rPr>
-              <a:t>HIP-X</a:t>
+              <a:t>HIP-16</a:t>
             </a:r>
             <a:endParaRPr lang="en-US" sz="13000" b="1" dirty="0">
               <a:ln w="12700">
@@ -4095,11 +4164,14 @@
                 <a:schemeClr val="bg1"/>
               </a:solidFill>
               <a:effectLst>
-                <a:glow rad="152400">
-                  <a:schemeClr val="tx1"/>
+                <a:glow rad="203200">
+                  <a:schemeClr val="tx1">
+                    <a:alpha val="68000"/>
+                  </a:schemeClr>
                 </a:glow>
                 <a:innerShdw blurRad="63500" dir="4440000">
-                  <a:schemeClr val="tx1">
+                  <a:schemeClr val="tx2">
+                    <a:lumMod val="50000"/>
                     <a:alpha val="50000"/>
                   </a:schemeClr>
                 </a:innerShdw>
@@ -4141,11 +4213,14 @@
                   <a:schemeClr val="bg1"/>
                 </a:solidFill>
                 <a:effectLst>
-                  <a:glow rad="152400">
-                    <a:schemeClr val="tx1"/>
+                  <a:glow rad="203200">
+                    <a:schemeClr val="tx1">
+                      <a:alpha val="68000"/>
+                    </a:schemeClr>
                   </a:glow>
                   <a:innerShdw blurRad="63500" dir="4440000">
-                    <a:schemeClr val="tx1">
+                    <a:schemeClr val="tx2">
+                      <a:lumMod val="50000"/>
                       <a:alpha val="50000"/>
                     </a:schemeClr>
                   </a:innerShdw>
@@ -4171,7 +4246,7 @@
                 <a14:imgProps xmlns:a14="http://schemas.microsoft.com/office/drawing/2010/main">
                   <a14:imgLayer r:embed="rId7">
                     <a14:imgEffect>
-                      <a14:artisticLineDrawing trans="0" pencilSize="82"/>
+                      <a14:artisticPlasticWrap smoothness="8"/>
                     </a14:imgEffect>
                   </a14:imgLayer>
                 </a14:imgProps>
